--- a/Consegna/Presentazione_progetto_SIIS_Merelli_Carbone_Grosso.pptx
+++ b/Consegna/Presentazione_progetto_SIIS_Merelli_Carbone_Grosso.pptx
@@ -928,7 +928,7 @@
           <a:p>
             <a:fld id="{445FCF14-918E-4047-8BBB-15CFF9EA5E07}" type="datetimeFigureOut">
               <a:rPr lang="it-IT" smtClean="0"/>
-              <a:t>29/12/2021</a:t>
+              <a:t>04/01/22</a:t>
             </a:fld>
             <a:endParaRPr lang="it-IT"/>
           </a:p>
@@ -1342,7 +1342,7 @@
           <a:p>
             <a:fld id="{AA3A6BE5-8C39-481F-A270-BEF917F1E5E1}" type="datetimeFigureOut">
               <a:rPr lang="it-IT" smtClean="0"/>
-              <a:t>29/12/2021</a:t>
+              <a:t>04/01/22</a:t>
             </a:fld>
             <a:endParaRPr lang="it-IT"/>
           </a:p>
@@ -1540,7 +1540,7 @@
           <a:p>
             <a:fld id="{AA3A6BE5-8C39-481F-A270-BEF917F1E5E1}" type="datetimeFigureOut">
               <a:rPr lang="it-IT" smtClean="0"/>
-              <a:t>29/12/2021</a:t>
+              <a:t>04/01/22</a:t>
             </a:fld>
             <a:endParaRPr lang="it-IT"/>
           </a:p>
@@ -1748,7 +1748,7 @@
           <a:p>
             <a:fld id="{AA3A6BE5-8C39-481F-A270-BEF917F1E5E1}" type="datetimeFigureOut">
               <a:rPr lang="it-IT" smtClean="0"/>
-              <a:t>29/12/2021</a:t>
+              <a:t>04/01/22</a:t>
             </a:fld>
             <a:endParaRPr lang="it-IT"/>
           </a:p>
@@ -1946,7 +1946,7 @@
           <a:p>
             <a:fld id="{AA3A6BE5-8C39-481F-A270-BEF917F1E5E1}" type="datetimeFigureOut">
               <a:rPr lang="it-IT" smtClean="0"/>
-              <a:t>29/12/2021</a:t>
+              <a:t>04/01/22</a:t>
             </a:fld>
             <a:endParaRPr lang="it-IT"/>
           </a:p>
@@ -2221,7 +2221,7 @@
           <a:p>
             <a:fld id="{AA3A6BE5-8C39-481F-A270-BEF917F1E5E1}" type="datetimeFigureOut">
               <a:rPr lang="it-IT" smtClean="0"/>
-              <a:t>29/12/2021</a:t>
+              <a:t>04/01/22</a:t>
             </a:fld>
             <a:endParaRPr lang="it-IT"/>
           </a:p>
@@ -2486,7 +2486,7 @@
           <a:p>
             <a:fld id="{AA3A6BE5-8C39-481F-A270-BEF917F1E5E1}" type="datetimeFigureOut">
               <a:rPr lang="it-IT" smtClean="0"/>
-              <a:t>29/12/2021</a:t>
+              <a:t>04/01/22</a:t>
             </a:fld>
             <a:endParaRPr lang="it-IT"/>
           </a:p>
@@ -2898,7 +2898,7 @@
           <a:p>
             <a:fld id="{AA3A6BE5-8C39-481F-A270-BEF917F1E5E1}" type="datetimeFigureOut">
               <a:rPr lang="it-IT" smtClean="0"/>
-              <a:t>29/12/2021</a:t>
+              <a:t>04/01/22</a:t>
             </a:fld>
             <a:endParaRPr lang="it-IT"/>
           </a:p>
@@ -3039,7 +3039,7 @@
           <a:p>
             <a:fld id="{AA3A6BE5-8C39-481F-A270-BEF917F1E5E1}" type="datetimeFigureOut">
               <a:rPr lang="it-IT" smtClean="0"/>
-              <a:t>29/12/2021</a:t>
+              <a:t>04/01/22</a:t>
             </a:fld>
             <a:endParaRPr lang="it-IT"/>
           </a:p>
@@ -3152,7 +3152,7 @@
           <a:p>
             <a:fld id="{AA3A6BE5-8C39-481F-A270-BEF917F1E5E1}" type="datetimeFigureOut">
               <a:rPr lang="it-IT" smtClean="0"/>
-              <a:t>29/12/2021</a:t>
+              <a:t>04/01/22</a:t>
             </a:fld>
             <a:endParaRPr lang="it-IT"/>
           </a:p>
@@ -3463,7 +3463,7 @@
           <a:p>
             <a:fld id="{AA3A6BE5-8C39-481F-A270-BEF917F1E5E1}" type="datetimeFigureOut">
               <a:rPr lang="it-IT" smtClean="0"/>
-              <a:t>29/12/2021</a:t>
+              <a:t>04/01/22</a:t>
             </a:fld>
             <a:endParaRPr lang="it-IT"/>
           </a:p>
@@ -3751,7 +3751,7 @@
           <a:p>
             <a:fld id="{AA3A6BE5-8C39-481F-A270-BEF917F1E5E1}" type="datetimeFigureOut">
               <a:rPr lang="it-IT" smtClean="0"/>
-              <a:t>29/12/2021</a:t>
+              <a:t>04/01/22</a:t>
             </a:fld>
             <a:endParaRPr lang="it-IT"/>
           </a:p>
@@ -3992,7 +3992,7 @@
           <a:p>
             <a:fld id="{AA3A6BE5-8C39-481F-A270-BEF917F1E5E1}" type="datetimeFigureOut">
               <a:rPr lang="it-IT" smtClean="0"/>
-              <a:t>29/12/2021</a:t>
+              <a:t>04/01/22</a:t>
             </a:fld>
             <a:endParaRPr lang="it-IT"/>
           </a:p>
@@ -7576,7 +7576,7 @@
         <p:spPr>
           <a:xfrm>
             <a:off x="704847" y="2024062"/>
-            <a:ext cx="5535616" cy="4585871"/>
+            <a:ext cx="5535616" cy="4955203"/>
           </a:xfrm>
           <a:prstGeom prst="rect">
             <a:avLst/>
@@ -7711,11 +7711,41 @@
               <a:buChar char="•"/>
             </a:pPr>
             <a:r>
+              <a:rPr lang="it-IT" sz="1400" dirty="0" err="1">
+                <a:latin typeface="Poppins Light" panose="00000400000000000000" pitchFamily="50" charset="0"/>
+                <a:cs typeface="Poppins Light" panose="00000400000000000000" pitchFamily="50" charset="0"/>
+              </a:rPr>
+              <a:t>Skills</a:t>
+            </a:r>
+            <a:r>
               <a:rPr lang="it-IT" sz="1400" dirty="0">
                 <a:latin typeface="Poppins Light" panose="00000400000000000000" pitchFamily="50" charset="0"/>
                 <a:cs typeface="Poppins Light" panose="00000400000000000000" pitchFamily="50" charset="0"/>
               </a:rPr>
-              <a:t>Skills generiche</a:t>
+              <a:t> generiche</a:t>
+            </a:r>
+          </a:p>
+          <a:p>
+            <a:pPr marL="742950" lvl="1" indent="-285750">
+              <a:spcAft>
+                <a:spcPts val="1200"/>
+              </a:spcAft>
+              <a:buFont typeface="Arial" panose="020B0604020202020204" pitchFamily="34" charset="0"/>
+              <a:buChar char="•"/>
+            </a:pPr>
+            <a:r>
+              <a:rPr lang="it-IT" sz="1400" dirty="0" err="1">
+                <a:latin typeface="Poppins Light" panose="00000400000000000000" pitchFamily="50" charset="0"/>
+                <a:cs typeface="Poppins Light" panose="00000400000000000000" pitchFamily="50" charset="0"/>
+              </a:rPr>
+              <a:t>Skills</a:t>
+            </a:r>
+            <a:r>
+              <a:rPr lang="it-IT" sz="1400" dirty="0">
+                <a:latin typeface="Poppins Light" panose="00000400000000000000" pitchFamily="50" charset="0"/>
+                <a:cs typeface="Poppins Light" panose="00000400000000000000" pitchFamily="50" charset="0"/>
+              </a:rPr>
+              <a:t> complementari</a:t>
             </a:r>
           </a:p>
           <a:p>

--- a/Consegna/Presentazione_progetto_SIIS_Merelli_Carbone_Grosso.pptx
+++ b/Consegna/Presentazione_progetto_SIIS_Merelli_Carbone_Grosso.pptx
@@ -195,7 +195,6 @@
 <file path=ppt/revisionInfo.xml><?xml version="1.0" encoding="utf-8"?>
 <p1510:revInfo xmlns:a="http://schemas.openxmlformats.org/drawingml/2006/main" xmlns:r="http://schemas.openxmlformats.org/officeDocument/2006/relationships" xmlns:p1510="http://schemas.microsoft.com/office/powerpoint/2015/10/main">
   <p1510:revLst>
-    <p1510:client id="{663EDA11-63A3-4725-9154-08D0D2B3E39E}" v="392" dt="2021-12-28T17:09:41.877"/>
     <p1510:client id="{73B03246-C0D6-48CE-B336-D322CA85AF9C}" v="6" dt="2021-12-28T23:33:50.888"/>
   </p1510:revLst>
 </p1510:revInfo>
@@ -206,7 +205,7 @@
   <pc:docChgLst>
     <pc:chgData name="g.carbone8@campus.unimib.it" userId="b00d38c9-59ca-445d-a206-84026ffe8624" providerId="ADAL" clId="{73B03246-C0D6-48CE-B336-D322CA85AF9C}"/>
     <pc:docChg chg="undo custSel modSld">
-      <pc:chgData name="g.carbone8@campus.unimib.it" userId="b00d38c9-59ca-445d-a206-84026ffe8624" providerId="ADAL" clId="{73B03246-C0D6-48CE-B336-D322CA85AF9C}" dt="2021-12-28T23:33:50.886" v="68" actId="1076"/>
+      <pc:chgData name="g.carbone8@campus.unimib.it" userId="b00d38c9-59ca-445d-a206-84026ffe8624" providerId="ADAL" clId="{73B03246-C0D6-48CE-B336-D322CA85AF9C}" dt="2022-01-06T00:09:20.878" v="69" actId="20577"/>
       <pc:docMkLst>
         <pc:docMk/>
       </pc:docMkLst>
@@ -224,6 +223,21 @@
             <ac:cxnSpMk id="4" creationId="{51FD34F7-E331-45F9-984B-6D3860116CA5}"/>
           </ac:cxnSpMkLst>
         </pc:cxnChg>
+      </pc:sldChg>
+      <pc:sldChg chg="modSp mod">
+        <pc:chgData name="g.carbone8@campus.unimib.it" userId="b00d38c9-59ca-445d-a206-84026ffe8624" providerId="ADAL" clId="{73B03246-C0D6-48CE-B336-D322CA85AF9C}" dt="2022-01-06T00:09:20.878" v="69" actId="20577"/>
+        <pc:sldMkLst>
+          <pc:docMk/>
+          <pc:sldMk cId="3197017637" sldId="294"/>
+        </pc:sldMkLst>
+        <pc:spChg chg="mod">
+          <ac:chgData name="g.carbone8@campus.unimib.it" userId="b00d38c9-59ca-445d-a206-84026ffe8624" providerId="ADAL" clId="{73B03246-C0D6-48CE-B336-D322CA85AF9C}" dt="2022-01-06T00:09:20.878" v="69" actId="20577"/>
+          <ac:spMkLst>
+            <pc:docMk/>
+            <pc:sldMk cId="3197017637" sldId="294"/>
+            <ac:spMk id="6" creationId="{D13A722D-E148-4971-82F3-1C191AFD95ED}"/>
+          </ac:spMkLst>
+        </pc:spChg>
       </pc:sldChg>
       <pc:sldChg chg="modSp">
         <pc:chgData name="g.carbone8@campus.unimib.it" userId="b00d38c9-59ca-445d-a206-84026ffe8624" providerId="ADAL" clId="{73B03246-C0D6-48CE-B336-D322CA85AF9C}" dt="2021-12-28T23:33:50.886" v="68" actId="1076"/>
@@ -928,7 +942,7 @@
           <a:p>
             <a:fld id="{445FCF14-918E-4047-8BBB-15CFF9EA5E07}" type="datetimeFigureOut">
               <a:rPr lang="it-IT" smtClean="0"/>
-              <a:t>04/01/22</a:t>
+              <a:t>06/01/2022</a:t>
             </a:fld>
             <a:endParaRPr lang="it-IT"/>
           </a:p>
@@ -1342,7 +1356,7 @@
           <a:p>
             <a:fld id="{AA3A6BE5-8C39-481F-A270-BEF917F1E5E1}" type="datetimeFigureOut">
               <a:rPr lang="it-IT" smtClean="0"/>
-              <a:t>04/01/22</a:t>
+              <a:t>06/01/2022</a:t>
             </a:fld>
             <a:endParaRPr lang="it-IT"/>
           </a:p>
@@ -1540,7 +1554,7 @@
           <a:p>
             <a:fld id="{AA3A6BE5-8C39-481F-A270-BEF917F1E5E1}" type="datetimeFigureOut">
               <a:rPr lang="it-IT" smtClean="0"/>
-              <a:t>04/01/22</a:t>
+              <a:t>06/01/2022</a:t>
             </a:fld>
             <a:endParaRPr lang="it-IT"/>
           </a:p>
@@ -1748,7 +1762,7 @@
           <a:p>
             <a:fld id="{AA3A6BE5-8C39-481F-A270-BEF917F1E5E1}" type="datetimeFigureOut">
               <a:rPr lang="it-IT" smtClean="0"/>
-              <a:t>04/01/22</a:t>
+              <a:t>06/01/2022</a:t>
             </a:fld>
             <a:endParaRPr lang="it-IT"/>
           </a:p>
@@ -1946,7 +1960,7 @@
           <a:p>
             <a:fld id="{AA3A6BE5-8C39-481F-A270-BEF917F1E5E1}" type="datetimeFigureOut">
               <a:rPr lang="it-IT" smtClean="0"/>
-              <a:t>04/01/22</a:t>
+              <a:t>06/01/2022</a:t>
             </a:fld>
             <a:endParaRPr lang="it-IT"/>
           </a:p>
@@ -2221,7 +2235,7 @@
           <a:p>
             <a:fld id="{AA3A6BE5-8C39-481F-A270-BEF917F1E5E1}" type="datetimeFigureOut">
               <a:rPr lang="it-IT" smtClean="0"/>
-              <a:t>04/01/22</a:t>
+              <a:t>06/01/2022</a:t>
             </a:fld>
             <a:endParaRPr lang="it-IT"/>
           </a:p>
@@ -2486,7 +2500,7 @@
           <a:p>
             <a:fld id="{AA3A6BE5-8C39-481F-A270-BEF917F1E5E1}" type="datetimeFigureOut">
               <a:rPr lang="it-IT" smtClean="0"/>
-              <a:t>04/01/22</a:t>
+              <a:t>06/01/2022</a:t>
             </a:fld>
             <a:endParaRPr lang="it-IT"/>
           </a:p>
@@ -2898,7 +2912,7 @@
           <a:p>
             <a:fld id="{AA3A6BE5-8C39-481F-A270-BEF917F1E5E1}" type="datetimeFigureOut">
               <a:rPr lang="it-IT" smtClean="0"/>
-              <a:t>04/01/22</a:t>
+              <a:t>06/01/2022</a:t>
             </a:fld>
             <a:endParaRPr lang="it-IT"/>
           </a:p>
@@ -3039,7 +3053,7 @@
           <a:p>
             <a:fld id="{AA3A6BE5-8C39-481F-A270-BEF917F1E5E1}" type="datetimeFigureOut">
               <a:rPr lang="it-IT" smtClean="0"/>
-              <a:t>04/01/22</a:t>
+              <a:t>06/01/2022</a:t>
             </a:fld>
             <a:endParaRPr lang="it-IT"/>
           </a:p>
@@ -3152,7 +3166,7 @@
           <a:p>
             <a:fld id="{AA3A6BE5-8C39-481F-A270-BEF917F1E5E1}" type="datetimeFigureOut">
               <a:rPr lang="it-IT" smtClean="0"/>
-              <a:t>04/01/22</a:t>
+              <a:t>06/01/2022</a:t>
             </a:fld>
             <a:endParaRPr lang="it-IT"/>
           </a:p>
@@ -3463,7 +3477,7 @@
           <a:p>
             <a:fld id="{AA3A6BE5-8C39-481F-A270-BEF917F1E5E1}" type="datetimeFigureOut">
               <a:rPr lang="it-IT" smtClean="0"/>
-              <a:t>04/01/22</a:t>
+              <a:t>06/01/2022</a:t>
             </a:fld>
             <a:endParaRPr lang="it-IT"/>
           </a:p>
@@ -3751,7 +3765,7 @@
           <a:p>
             <a:fld id="{AA3A6BE5-8C39-481F-A270-BEF917F1E5E1}" type="datetimeFigureOut">
               <a:rPr lang="it-IT" smtClean="0"/>
-              <a:t>04/01/22</a:t>
+              <a:t>06/01/2022</a:t>
             </a:fld>
             <a:endParaRPr lang="it-IT"/>
           </a:p>
@@ -3992,7 +4006,7 @@
           <a:p>
             <a:fld id="{AA3A6BE5-8C39-481F-A270-BEF917F1E5E1}" type="datetimeFigureOut">
               <a:rPr lang="it-IT" smtClean="0"/>
-              <a:t>04/01/22</a:t>
+              <a:t>06/01/2022</a:t>
             </a:fld>
             <a:endParaRPr lang="it-IT"/>
           </a:p>
@@ -7576,7 +7590,7 @@
         <p:spPr>
           <a:xfrm>
             <a:off x="704847" y="2024062"/>
-            <a:ext cx="5535616" cy="4955203"/>
+            <a:ext cx="5535616" cy="4585871"/>
           </a:xfrm>
           <a:prstGeom prst="rect">
             <a:avLst/>
@@ -7808,22 +7822,6 @@
                 <a:cs typeface="Poppins Light" panose="00000400000000000000" pitchFamily="50" charset="0"/>
               </a:rPr>
               <a:t> skills sono prerequisiti per</a:t>
-            </a:r>
-          </a:p>
-          <a:p>
-            <a:pPr marL="742950" lvl="1" indent="-285750">
-              <a:spcAft>
-                <a:spcPts val="1200"/>
-              </a:spcAft>
-              <a:buFont typeface="Arial" panose="020B0604020202020204" pitchFamily="34" charset="0"/>
-              <a:buChar char="•"/>
-            </a:pPr>
-            <a:r>
-              <a:rPr lang="it-IT" sz="1400" dirty="0">
-                <a:latin typeface="Poppins Light" panose="00000400000000000000" pitchFamily="50" charset="0"/>
-                <a:cs typeface="Poppins Light" panose="00000400000000000000" pitchFamily="50" charset="0"/>
-              </a:rPr>
-              <a:t>Abilità cognitive di alto livello</a:t>
             </a:r>
           </a:p>
           <a:p>

--- a/Consegna/Presentazione_progetto_SIIS_Merelli_Carbone_Grosso.pptx
+++ b/Consegna/Presentazione_progetto_SIIS_Merelli_Carbone_Grosso.pptx
@@ -205,7 +205,7 @@
   <pc:docChgLst>
     <pc:chgData name="g.carbone8@campus.unimib.it" userId="b00d38c9-59ca-445d-a206-84026ffe8624" providerId="ADAL" clId="{73B03246-C0D6-48CE-B336-D322CA85AF9C}"/>
     <pc:docChg chg="undo custSel modSld">
-      <pc:chgData name="g.carbone8@campus.unimib.it" userId="b00d38c9-59ca-445d-a206-84026ffe8624" providerId="ADAL" clId="{73B03246-C0D6-48CE-B336-D322CA85AF9C}" dt="2022-01-06T00:09:20.878" v="69" actId="20577"/>
+      <pc:chgData name="g.carbone8@campus.unimib.it" userId="b00d38c9-59ca-445d-a206-84026ffe8624" providerId="ADAL" clId="{73B03246-C0D6-48CE-B336-D322CA85AF9C}" dt="2022-01-06T00:27:29.056" v="107" actId="20577"/>
       <pc:docMkLst>
         <pc:docMk/>
       </pc:docMkLst>
@@ -225,16 +225,31 @@
         </pc:cxnChg>
       </pc:sldChg>
       <pc:sldChg chg="modSp mod">
-        <pc:chgData name="g.carbone8@campus.unimib.it" userId="b00d38c9-59ca-445d-a206-84026ffe8624" providerId="ADAL" clId="{73B03246-C0D6-48CE-B336-D322CA85AF9C}" dt="2022-01-06T00:09:20.878" v="69" actId="20577"/>
+        <pc:chgData name="g.carbone8@campus.unimib.it" userId="b00d38c9-59ca-445d-a206-84026ffe8624" providerId="ADAL" clId="{73B03246-C0D6-48CE-B336-D322CA85AF9C}" dt="2022-01-06T00:21:55.287" v="80" actId="20577"/>
         <pc:sldMkLst>
           <pc:docMk/>
           <pc:sldMk cId="3197017637" sldId="294"/>
         </pc:sldMkLst>
         <pc:spChg chg="mod">
-          <ac:chgData name="g.carbone8@campus.unimib.it" userId="b00d38c9-59ca-445d-a206-84026ffe8624" providerId="ADAL" clId="{73B03246-C0D6-48CE-B336-D322CA85AF9C}" dt="2022-01-06T00:09:20.878" v="69" actId="20577"/>
+          <ac:chgData name="g.carbone8@campus.unimib.it" userId="b00d38c9-59ca-445d-a206-84026ffe8624" providerId="ADAL" clId="{73B03246-C0D6-48CE-B336-D322CA85AF9C}" dt="2022-01-06T00:21:55.287" v="80" actId="20577"/>
           <ac:spMkLst>
             <pc:docMk/>
             <pc:sldMk cId="3197017637" sldId="294"/>
+            <ac:spMk id="6" creationId="{D13A722D-E148-4971-82F3-1C191AFD95ED}"/>
+          </ac:spMkLst>
+        </pc:spChg>
+      </pc:sldChg>
+      <pc:sldChg chg="modSp mod">
+        <pc:chgData name="g.carbone8@campus.unimib.it" userId="b00d38c9-59ca-445d-a206-84026ffe8624" providerId="ADAL" clId="{73B03246-C0D6-48CE-B336-D322CA85AF9C}" dt="2022-01-06T00:27:29.056" v="107" actId="20577"/>
+        <pc:sldMkLst>
+          <pc:docMk/>
+          <pc:sldMk cId="2204845249" sldId="296"/>
+        </pc:sldMkLst>
+        <pc:spChg chg="mod">
+          <ac:chgData name="g.carbone8@campus.unimib.it" userId="b00d38c9-59ca-445d-a206-84026ffe8624" providerId="ADAL" clId="{73B03246-C0D6-48CE-B336-D322CA85AF9C}" dt="2022-01-06T00:27:29.056" v="107" actId="20577"/>
+          <ac:spMkLst>
+            <pc:docMk/>
+            <pc:sldMk cId="2204845249" sldId="296"/>
             <ac:spMk id="6" creationId="{D13A722D-E148-4971-82F3-1C191AFD95ED}"/>
           </ac:spMkLst>
         </pc:spChg>
@@ -7791,7 +7806,7 @@
                 <a:latin typeface="Poppins Light" panose="00000400000000000000" pitchFamily="50" charset="0"/>
                 <a:cs typeface="Poppins Light" panose="00000400000000000000" pitchFamily="50" charset="0"/>
               </a:rPr>
-              <a:t>Abilità sociali ed emozionali</a:t>
+              <a:t>Abilità sociali ed emotive</a:t>
             </a:r>
           </a:p>
           <a:p>
@@ -8088,7 +8103,7 @@
                 <a:latin typeface="Poppins Medium" panose="00000600000000000000" pitchFamily="2" charset="0"/>
                 <a:cs typeface="Poppins Medium" panose="00000600000000000000" pitchFamily="2" charset="0"/>
               </a:rPr>
-              <a:t>sistemi di educazione e formazione</a:t>
+              <a:t>sistemi educativi di istruzione e formazione</a:t>
             </a:r>
             <a:endParaRPr lang="it-IT" sz="1400" dirty="0">
               <a:latin typeface="Poppins Light" panose="00000400000000000000" pitchFamily="50" charset="0"/>
@@ -8111,25 +8126,11 @@
               <a:t>Sfruttare</a:t>
             </a:r>
             <a:r>
-              <a:rPr lang="en-US" sz="1400" dirty="0">
+              <a:rPr lang="en-US" sz="1400">
                 <a:latin typeface="Poppins Light" panose="00000400000000000000" pitchFamily="2" charset="0"/>
                 <a:cs typeface="Poppins Light" panose="00000400000000000000" pitchFamily="2" charset="0"/>
               </a:rPr>
               <a:t> le </a:t>
-            </a:r>
-            <a:r>
-              <a:rPr lang="en-US" sz="1400" dirty="0" err="1">
-                <a:latin typeface="Poppins Light" panose="00000400000000000000" pitchFamily="2" charset="0"/>
-                <a:cs typeface="Poppins Light" panose="00000400000000000000" pitchFamily="2" charset="0"/>
-              </a:rPr>
-              <a:t>le</a:t>
-            </a:r>
-            <a:r>
-              <a:rPr lang="en-US" sz="1400" dirty="0">
-                <a:latin typeface="Poppins Light" panose="00000400000000000000" pitchFamily="2" charset="0"/>
-                <a:cs typeface="Poppins Light" panose="00000400000000000000" pitchFamily="2" charset="0"/>
-              </a:rPr>
-              <a:t> </a:t>
             </a:r>
             <a:r>
               <a:rPr lang="en-US" sz="1400" dirty="0" err="1">

--- a/Consegna/Presentazione_progetto_SIIS_Merelli_Carbone_Grosso.pptx
+++ b/Consegna/Presentazione_progetto_SIIS_Merelli_Carbone_Grosso.pptx
@@ -5,7 +5,7 @@
     <p:sldMasterId id="2147483648" r:id="rId1"/>
   </p:sldMasterIdLst>
   <p:notesMasterIdLst>
-    <p:notesMasterId r:id="rId11"/>
+    <p:notesMasterId r:id="rId12"/>
   </p:notesMasterIdLst>
   <p:sldIdLst>
     <p:sldId id="292" r:id="rId2"/>
@@ -17,6 +17,7 @@
     <p:sldId id="294" r:id="rId8"/>
     <p:sldId id="296" r:id="rId9"/>
     <p:sldId id="305" r:id="rId10"/>
+    <p:sldId id="306" r:id="rId11"/>
   </p:sldIdLst>
   <p:sldSz cx="12192000" cy="6858000"/>
   <p:notesSz cx="6858000" cy="9144000"/>
@@ -192,14 +193,6 @@
 </p:presentation>
 </file>
 
-<file path=ppt/revisionInfo.xml><?xml version="1.0" encoding="utf-8"?>
-<p1510:revInfo xmlns:a="http://schemas.openxmlformats.org/drawingml/2006/main" xmlns:r="http://schemas.openxmlformats.org/officeDocument/2006/relationships" xmlns:p1510="http://schemas.microsoft.com/office/powerpoint/2015/10/main">
-  <p1510:revLst>
-    <p1510:client id="{73B03246-C0D6-48CE-B336-D322CA85AF9C}" v="6" dt="2021-12-28T23:33:50.888"/>
-  </p1510:revLst>
-</p1510:revInfo>
-</file>
-
 <file path=ppt/changesInfos/changesInfo1.xml><?xml version="1.0" encoding="utf-8"?>
 <pc:chgInfo xmlns:a="http://schemas.openxmlformats.org/drawingml/2006/main" xmlns:r="http://schemas.openxmlformats.org/officeDocument/2006/relationships" xmlns:ac="http://schemas.microsoft.com/office/drawing/2013/main/command" xmlns:pc="http://schemas.microsoft.com/office/powerpoint/2013/main/command">
   <pc:docChgLst>
@@ -322,6 +315,61 @@
             <ac:picMk id="3" creationId="{45BC9084-E013-4550-96A4-8CC7DE3A2D6E}"/>
           </ac:picMkLst>
         </pc:picChg>
+      </pc:sldChg>
+    </pc:docChg>
+  </pc:docChgLst>
+  <pc:docChgLst>
+    <pc:chgData name="Silvia Grosso" userId="ae07bb24dcdc86e9" providerId="LiveId" clId="{1781BDE0-72F4-4C06-893B-49B7BDD4422A}"/>
+    <pc:docChg chg="undo custSel addSld delSld modSld">
+      <pc:chgData name="Silvia Grosso" userId="ae07bb24dcdc86e9" providerId="LiveId" clId="{1781BDE0-72F4-4C06-893B-49B7BDD4422A}" dt="2022-01-06T14:34:32.555" v="134" actId="20577"/>
+      <pc:docMkLst>
+        <pc:docMk/>
+      </pc:docMkLst>
+      <pc:sldChg chg="delSp modSp add mod">
+        <pc:chgData name="Silvia Grosso" userId="ae07bb24dcdc86e9" providerId="LiveId" clId="{1781BDE0-72F4-4C06-893B-49B7BDD4422A}" dt="2022-01-06T14:34:32.555" v="134" actId="20577"/>
+        <pc:sldMkLst>
+          <pc:docMk/>
+          <pc:sldMk cId="2854464611" sldId="306"/>
+        </pc:sldMkLst>
+        <pc:spChg chg="mod">
+          <ac:chgData name="Silvia Grosso" userId="ae07bb24dcdc86e9" providerId="LiveId" clId="{1781BDE0-72F4-4C06-893B-49B7BDD4422A}" dt="2022-01-06T14:22:27.340" v="14" actId="20577"/>
+          <ac:spMkLst>
+            <pc:docMk/>
+            <pc:sldMk cId="2854464611" sldId="306"/>
+            <ac:spMk id="5" creationId="{89B91983-B758-4281-AC68-D9F7AB480AD9}"/>
+          </ac:spMkLst>
+        </pc:spChg>
+        <pc:spChg chg="mod">
+          <ac:chgData name="Silvia Grosso" userId="ae07bb24dcdc86e9" providerId="LiveId" clId="{1781BDE0-72F4-4C06-893B-49B7BDD4422A}" dt="2022-01-06T14:34:32.555" v="134" actId="20577"/>
+          <ac:spMkLst>
+            <pc:docMk/>
+            <pc:sldMk cId="2854464611" sldId="306"/>
+            <ac:spMk id="6" creationId="{D13A722D-E148-4971-82F3-1C191AFD95ED}"/>
+          </ac:spMkLst>
+        </pc:spChg>
+        <pc:picChg chg="del">
+          <ac:chgData name="Silvia Grosso" userId="ae07bb24dcdc86e9" providerId="LiveId" clId="{1781BDE0-72F4-4C06-893B-49B7BDD4422A}" dt="2022-01-06T14:22:37.886" v="16" actId="478"/>
+          <ac:picMkLst>
+            <pc:docMk/>
+            <pc:sldMk cId="2854464611" sldId="306"/>
+            <ac:picMk id="3" creationId="{45BC9084-E013-4550-96A4-8CC7DE3A2D6E}"/>
+          </ac:picMkLst>
+        </pc:picChg>
+        <pc:cxnChg chg="mod">
+          <ac:chgData name="Silvia Grosso" userId="ae07bb24dcdc86e9" providerId="LiveId" clId="{1781BDE0-72F4-4C06-893B-49B7BDD4422A}" dt="2022-01-06T14:22:34.794" v="15" actId="14100"/>
+          <ac:cxnSpMkLst>
+            <pc:docMk/>
+            <pc:sldMk cId="2854464611" sldId="306"/>
+            <ac:cxnSpMk id="4" creationId="{51FD34F7-E331-45F9-984B-6D3860116CA5}"/>
+          </ac:cxnSpMkLst>
+        </pc:cxnChg>
+      </pc:sldChg>
+      <pc:sldChg chg="new del">
+        <pc:chgData name="Silvia Grosso" userId="ae07bb24dcdc86e9" providerId="LiveId" clId="{1781BDE0-72F4-4C06-893B-49B7BDD4422A}" dt="2022-01-06T14:22:04.688" v="1" actId="2696"/>
+        <pc:sldMkLst>
+          <pc:docMk/>
+          <pc:sldMk cId="3381940286" sldId="306"/>
+        </pc:sldMkLst>
       </pc:sldChg>
     </pc:docChg>
   </pc:docChgLst>
@@ -4869,6 +4917,661 @@
     <p:extLst>
       <p:ext uri="{BB962C8B-B14F-4D97-AF65-F5344CB8AC3E}">
         <p14:creationId xmlns:p14="http://schemas.microsoft.com/office/powerpoint/2010/main" val="1594528559"/>
+      </p:ext>
+    </p:extLst>
+  </p:cSld>
+  <p:clrMapOvr>
+    <a:masterClrMapping/>
+  </p:clrMapOvr>
+</p:sld>
+</file>
+
+<file path=ppt/slides/slide10.xml><?xml version="1.0" encoding="utf-8"?>
+<p:sld xmlns:a="http://schemas.openxmlformats.org/drawingml/2006/main" xmlns:r="http://schemas.openxmlformats.org/officeDocument/2006/relationships" xmlns:p="http://schemas.openxmlformats.org/presentationml/2006/main">
+  <p:cSld>
+    <p:spTree>
+      <p:nvGrpSpPr>
+        <p:cNvPr id="1" name=""/>
+        <p:cNvGrpSpPr/>
+        <p:nvPr/>
+      </p:nvGrpSpPr>
+      <p:grpSpPr>
+        <a:xfrm>
+          <a:off x="0" y="0"/>
+          <a:ext cx="0" cy="0"/>
+          <a:chOff x="0" y="0"/>
+          <a:chExt cx="0" cy="0"/>
+        </a:xfrm>
+      </p:grpSpPr>
+      <p:sp>
+        <p:nvSpPr>
+          <p:cNvPr id="5" name="CasellaDiTesto 4">
+            <a:extLst>
+              <a:ext uri="{FF2B5EF4-FFF2-40B4-BE49-F238E27FC236}">
+                <a16:creationId xmlns:a16="http://schemas.microsoft.com/office/drawing/2014/main" id="{89B91983-B758-4281-AC68-D9F7AB480AD9}"/>
+              </a:ext>
+            </a:extLst>
+          </p:cNvPr>
+          <p:cNvSpPr txBox="1"/>
+          <p:nvPr/>
+        </p:nvSpPr>
+        <p:spPr>
+          <a:xfrm>
+            <a:off x="704849" y="549275"/>
+            <a:ext cx="10106026" cy="584775"/>
+          </a:xfrm>
+          <a:prstGeom prst="rect">
+            <a:avLst/>
+          </a:prstGeom>
+          <a:noFill/>
+        </p:spPr>
+        <p:txBody>
+          <a:bodyPr wrap="square" rtlCol="0">
+            <a:spAutoFit/>
+          </a:bodyPr>
+          <a:lstStyle/>
+          <a:p>
+            <a:r>
+              <a:rPr lang="it-IT" sz="3200" dirty="0">
+                <a:latin typeface="Lato Black" panose="020F0502020204030203" pitchFamily="34" charset="0"/>
+                <a:ea typeface="Lato Black" panose="020F0502020204030203" pitchFamily="34" charset="0"/>
+                <a:cs typeface="Lato Black" panose="020F0502020204030203" pitchFamily="34" charset="0"/>
+              </a:rPr>
+              <a:t>Bibliografia</a:t>
+            </a:r>
+          </a:p>
+        </p:txBody>
+      </p:sp>
+      <p:sp>
+        <p:nvSpPr>
+          <p:cNvPr id="6" name="CasellaDiTesto 5">
+            <a:extLst>
+              <a:ext uri="{FF2B5EF4-FFF2-40B4-BE49-F238E27FC236}">
+                <a16:creationId xmlns:a16="http://schemas.microsoft.com/office/drawing/2014/main" id="{D13A722D-E148-4971-82F3-1C191AFD95ED}"/>
+              </a:ext>
+            </a:extLst>
+          </p:cNvPr>
+          <p:cNvSpPr txBox="1"/>
+          <p:nvPr/>
+        </p:nvSpPr>
+        <p:spPr>
+          <a:xfrm>
+            <a:off x="688197" y="1955969"/>
+            <a:ext cx="11104532" cy="4685963"/>
+          </a:xfrm>
+          <a:prstGeom prst="rect">
+            <a:avLst/>
+          </a:prstGeom>
+          <a:noFill/>
+        </p:spPr>
+        <p:txBody>
+          <a:bodyPr wrap="square" rtlCol="0">
+            <a:spAutoFit/>
+          </a:bodyPr>
+          <a:lstStyle/>
+          <a:p>
+            <a:pPr marL="285750" indent="-285750">
+              <a:lnSpc>
+                <a:spcPct val="150000"/>
+              </a:lnSpc>
+              <a:spcAft>
+                <a:spcPts val="800"/>
+              </a:spcAft>
+              <a:buFont typeface="Wingdings" panose="05000000000000000000" pitchFamily="2" charset="2"/>
+              <a:buChar char="q"/>
+            </a:pPr>
+            <a:r>
+              <a:rPr lang="it-IT" sz="1400" dirty="0">
+                <a:effectLst/>
+                <a:latin typeface="Poppins Light" panose="00000400000000000000" pitchFamily="2" charset="0"/>
+                <a:ea typeface="Times New Roman" panose="02020603050405020304" pitchFamily="18" charset="0"/>
+                <a:cs typeface="Poppins Light" panose="00000400000000000000" pitchFamily="2" charset="0"/>
+              </a:rPr>
+              <a:t>   Baricco, A. (2018). </a:t>
+            </a:r>
+            <a:r>
+              <a:rPr lang="it-IT" sz="1400" i="1" dirty="0">
+                <a:effectLst/>
+                <a:latin typeface="Poppins Light" panose="00000400000000000000" pitchFamily="2" charset="0"/>
+                <a:ea typeface="Times New Roman" panose="02020603050405020304" pitchFamily="18" charset="0"/>
+                <a:cs typeface="Poppins Light" panose="00000400000000000000" pitchFamily="2" charset="0"/>
+              </a:rPr>
+              <a:t>The Game.</a:t>
+            </a:r>
+            <a:r>
+              <a:rPr lang="it-IT" sz="1400" dirty="0">
+                <a:effectLst/>
+                <a:latin typeface="Poppins Light" panose="00000400000000000000" pitchFamily="2" charset="0"/>
+                <a:ea typeface="Times New Roman" panose="02020603050405020304" pitchFamily="18" charset="0"/>
+                <a:cs typeface="Poppins Light" panose="00000400000000000000" pitchFamily="2" charset="0"/>
+              </a:rPr>
+              <a:t> Stile Libero Big.</a:t>
+            </a:r>
+          </a:p>
+          <a:p>
+            <a:pPr marL="457200" indent="-457200">
+              <a:spcAft>
+                <a:spcPts val="800"/>
+              </a:spcAft>
+              <a:buFont typeface="Wingdings" panose="05000000000000000000" pitchFamily="2" charset="2"/>
+              <a:buChar char="q"/>
+            </a:pPr>
+            <a:r>
+              <a:rPr lang="it-IT" sz="1400" dirty="0">
+                <a:effectLst/>
+                <a:latin typeface="Poppins Light" panose="00000400000000000000" pitchFamily="2" charset="0"/>
+                <a:ea typeface="Times New Roman" panose="02020603050405020304" pitchFamily="18" charset="0"/>
+                <a:cs typeface="Poppins Light" panose="00000400000000000000" pitchFamily="2" charset="0"/>
+              </a:rPr>
+              <a:t>de Corte, E. ((2010)). </a:t>
+            </a:r>
+            <a:r>
+              <a:rPr lang="en-US" sz="1400" dirty="0">
+                <a:effectLst/>
+                <a:latin typeface="Poppins Light" panose="00000400000000000000" pitchFamily="2" charset="0"/>
+                <a:ea typeface="Times New Roman" panose="02020603050405020304" pitchFamily="18" charset="0"/>
+                <a:cs typeface="Poppins Light" panose="00000400000000000000" pitchFamily="2" charset="0"/>
+              </a:rPr>
+              <a:t>Historical developments in the understanding of learning. </a:t>
+            </a:r>
+            <a:r>
+              <a:rPr lang="en-US" sz="1400" i="1" dirty="0">
+                <a:effectLst/>
+                <a:latin typeface="Poppins Light" panose="00000400000000000000" pitchFamily="2" charset="0"/>
+                <a:ea typeface="Times New Roman" panose="02020603050405020304" pitchFamily="18" charset="0"/>
+                <a:cs typeface="Poppins Light" panose="00000400000000000000" pitchFamily="2" charset="0"/>
+              </a:rPr>
+              <a:t>The Nature of Learning: Using Research to Inspire Practice</a:t>
+            </a:r>
+            <a:r>
+              <a:rPr lang="en-US" sz="1400" dirty="0">
+                <a:effectLst/>
+                <a:latin typeface="Poppins Light" panose="00000400000000000000" pitchFamily="2" charset="0"/>
+                <a:ea typeface="Times New Roman" panose="02020603050405020304" pitchFamily="18" charset="0"/>
+                <a:cs typeface="Poppins Light" panose="00000400000000000000" pitchFamily="2" charset="0"/>
+              </a:rPr>
+              <a:t>.</a:t>
+            </a:r>
+            <a:endParaRPr lang="it-IT" sz="1400" dirty="0">
+              <a:effectLst/>
+              <a:latin typeface="Poppins Light" panose="00000400000000000000" pitchFamily="2" charset="0"/>
+              <a:ea typeface="Times New Roman" panose="02020603050405020304" pitchFamily="18" charset="0"/>
+              <a:cs typeface="Poppins Light" panose="00000400000000000000" pitchFamily="2" charset="0"/>
+            </a:endParaRPr>
+          </a:p>
+          <a:p>
+            <a:pPr marL="457200" indent="-457200">
+              <a:lnSpc>
+                <a:spcPct val="150000"/>
+              </a:lnSpc>
+              <a:spcAft>
+                <a:spcPts val="800"/>
+              </a:spcAft>
+              <a:buFont typeface="Wingdings" panose="05000000000000000000" pitchFamily="2" charset="2"/>
+              <a:buChar char="q"/>
+            </a:pPr>
+            <a:r>
+              <a:rPr lang="en-US" sz="1400" dirty="0">
+                <a:effectLst/>
+                <a:latin typeface="Poppins Light" panose="00000400000000000000" pitchFamily="2" charset="0"/>
+                <a:ea typeface="Times New Roman" panose="02020603050405020304" pitchFamily="18" charset="0"/>
+                <a:cs typeface="Poppins Light" panose="00000400000000000000" pitchFamily="2" charset="0"/>
+              </a:rPr>
+              <a:t>ECDL Foundation. (2014). </a:t>
+            </a:r>
+            <a:r>
+              <a:rPr lang="en-US" sz="1400" i="1" dirty="0">
+                <a:effectLst/>
+                <a:latin typeface="Poppins Light" panose="00000400000000000000" pitchFamily="2" charset="0"/>
+                <a:ea typeface="Times New Roman" panose="02020603050405020304" pitchFamily="18" charset="0"/>
+                <a:cs typeface="Poppins Light" panose="00000400000000000000" pitchFamily="2" charset="0"/>
+              </a:rPr>
+              <a:t>The Fallacy of the ‘</a:t>
+            </a:r>
+            <a:r>
+              <a:rPr lang="en-US" sz="1400" i="1" dirty="0" err="1">
+                <a:effectLst/>
+                <a:latin typeface="Poppins Light" panose="00000400000000000000" pitchFamily="2" charset="0"/>
+                <a:ea typeface="Times New Roman" panose="02020603050405020304" pitchFamily="18" charset="0"/>
+                <a:cs typeface="Poppins Light" panose="00000400000000000000" pitchFamily="2" charset="0"/>
+              </a:rPr>
+              <a:t>DigitalNative</a:t>
+            </a:r>
+            <a:r>
+              <a:rPr lang="en-US" sz="1400" i="1" dirty="0">
+                <a:effectLst/>
+                <a:latin typeface="Poppins Light" panose="00000400000000000000" pitchFamily="2" charset="0"/>
+                <a:ea typeface="Times New Roman" panose="02020603050405020304" pitchFamily="18" charset="0"/>
+                <a:cs typeface="Poppins Light" panose="00000400000000000000" pitchFamily="2" charset="0"/>
+              </a:rPr>
+              <a:t>’: Why Young People Need to Develop their Digital Skills.</a:t>
+            </a:r>
+            <a:r>
+              <a:rPr lang="en-US" sz="1400" dirty="0">
+                <a:effectLst/>
+                <a:latin typeface="Poppins Light" panose="00000400000000000000" pitchFamily="2" charset="0"/>
+                <a:ea typeface="Times New Roman" panose="02020603050405020304" pitchFamily="18" charset="0"/>
+                <a:cs typeface="Poppins Light" panose="00000400000000000000" pitchFamily="2" charset="0"/>
+              </a:rPr>
+              <a:t> </a:t>
+            </a:r>
+            <a:endParaRPr lang="it-IT" sz="1400" dirty="0">
+              <a:effectLst/>
+              <a:latin typeface="Poppins Light" panose="00000400000000000000" pitchFamily="2" charset="0"/>
+              <a:ea typeface="Times New Roman" panose="02020603050405020304" pitchFamily="18" charset="0"/>
+              <a:cs typeface="Poppins Light" panose="00000400000000000000" pitchFamily="2" charset="0"/>
+            </a:endParaRPr>
+          </a:p>
+          <a:p>
+            <a:pPr marL="457200" indent="-457200">
+              <a:spcAft>
+                <a:spcPts val="800"/>
+              </a:spcAft>
+              <a:buFont typeface="Wingdings" panose="05000000000000000000" pitchFamily="2" charset="2"/>
+              <a:buChar char="q"/>
+            </a:pPr>
+            <a:r>
+              <a:rPr lang="en-US" sz="1400" dirty="0">
+                <a:effectLst/>
+                <a:latin typeface="Poppins Light" panose="00000400000000000000" pitchFamily="2" charset="0"/>
+                <a:ea typeface="Times New Roman" panose="02020603050405020304" pitchFamily="18" charset="0"/>
+                <a:cs typeface="Poppins Light" panose="00000400000000000000" pitchFamily="2" charset="0"/>
+              </a:rPr>
+              <a:t>Knowles, B., &amp; L. Hanson, V. (2018). The Wisdom of Older Technology (Non)Users. </a:t>
+            </a:r>
+            <a:r>
+              <a:rPr lang="en-US" sz="1400" i="1" dirty="0">
+                <a:effectLst/>
+                <a:latin typeface="Poppins Light" panose="00000400000000000000" pitchFamily="2" charset="0"/>
+                <a:ea typeface="Times New Roman" panose="02020603050405020304" pitchFamily="18" charset="0"/>
+                <a:cs typeface="Poppins Light" panose="00000400000000000000" pitchFamily="2" charset="0"/>
+              </a:rPr>
+              <a:t>Communications of the ACM Vol. 61 No. 3</a:t>
+            </a:r>
+            <a:r>
+              <a:rPr lang="en-US" sz="1400" dirty="0">
+                <a:effectLst/>
+                <a:latin typeface="Poppins Light" panose="00000400000000000000" pitchFamily="2" charset="0"/>
+                <a:ea typeface="Times New Roman" panose="02020603050405020304" pitchFamily="18" charset="0"/>
+                <a:cs typeface="Poppins Light" panose="00000400000000000000" pitchFamily="2" charset="0"/>
+              </a:rPr>
+              <a:t>, p. 72-77.</a:t>
+            </a:r>
+            <a:endParaRPr lang="it-IT" sz="1400" dirty="0">
+              <a:effectLst/>
+              <a:latin typeface="Poppins Light" panose="00000400000000000000" pitchFamily="2" charset="0"/>
+              <a:ea typeface="Times New Roman" panose="02020603050405020304" pitchFamily="18" charset="0"/>
+              <a:cs typeface="Poppins Light" panose="00000400000000000000" pitchFamily="2" charset="0"/>
+            </a:endParaRPr>
+          </a:p>
+          <a:p>
+            <a:pPr marL="457200" indent="-457200">
+              <a:spcAft>
+                <a:spcPts val="800"/>
+              </a:spcAft>
+              <a:buFont typeface="Wingdings" panose="05000000000000000000" pitchFamily="2" charset="2"/>
+              <a:buChar char="q"/>
+            </a:pPr>
+            <a:r>
+              <a:rPr lang="en-US" sz="1400" i="1" dirty="0">
+                <a:effectLst/>
+                <a:latin typeface="Poppins Light" panose="00000400000000000000" pitchFamily="2" charset="0"/>
+                <a:ea typeface="Times New Roman" panose="02020603050405020304" pitchFamily="18" charset="0"/>
+                <a:cs typeface="Poppins Light" panose="00000400000000000000" pitchFamily="2" charset="0"/>
+              </a:rPr>
+              <a:t>MODERN LEARNING FOR THE DIGITAL ERA.</a:t>
+            </a:r>
+            <a:r>
+              <a:rPr lang="en-US" sz="1400" dirty="0">
+                <a:effectLst/>
+                <a:latin typeface="Poppins Light" panose="00000400000000000000" pitchFamily="2" charset="0"/>
+                <a:ea typeface="Times New Roman" panose="02020603050405020304" pitchFamily="18" charset="0"/>
+                <a:cs typeface="Poppins Light" panose="00000400000000000000" pitchFamily="2" charset="0"/>
+              </a:rPr>
+              <a:t> </a:t>
+            </a:r>
+            <a:r>
+              <a:rPr lang="it-IT" sz="1400" dirty="0">
+                <a:effectLst/>
+                <a:latin typeface="Poppins Light" panose="00000400000000000000" pitchFamily="2" charset="0"/>
+                <a:ea typeface="Times New Roman" panose="02020603050405020304" pitchFamily="18" charset="0"/>
+                <a:cs typeface="Poppins Light" panose="00000400000000000000" pitchFamily="2" charset="0"/>
+              </a:rPr>
+              <a:t>(s.d.). Tratto da </a:t>
+            </a:r>
+            <a:r>
+              <a:rPr lang="it-IT" sz="1400" dirty="0" err="1">
+                <a:effectLst/>
+                <a:latin typeface="Poppins Light" panose="00000400000000000000" pitchFamily="2" charset="0"/>
+                <a:ea typeface="Times New Roman" panose="02020603050405020304" pitchFamily="18" charset="0"/>
+                <a:cs typeface="Poppins Light" panose="00000400000000000000" pitchFamily="2" charset="0"/>
+              </a:rPr>
+              <a:t>oliverwyman</a:t>
+            </a:r>
+            <a:r>
+              <a:rPr lang="it-IT" sz="1400" dirty="0">
+                <a:effectLst/>
+                <a:latin typeface="Poppins Light" panose="00000400000000000000" pitchFamily="2" charset="0"/>
+                <a:ea typeface="Times New Roman" panose="02020603050405020304" pitchFamily="18" charset="0"/>
+                <a:cs typeface="Poppins Light" panose="00000400000000000000" pitchFamily="2" charset="0"/>
+              </a:rPr>
+              <a:t>: https://www.oliverwyman.com/our-expertise/insights/2018/oct/modern-learning-for-the-digital-era.html</a:t>
+            </a:r>
+          </a:p>
+          <a:p>
+            <a:pPr marL="457200" indent="-457200">
+              <a:lnSpc>
+                <a:spcPct val="150000"/>
+              </a:lnSpc>
+              <a:spcAft>
+                <a:spcPts val="800"/>
+              </a:spcAft>
+              <a:buFont typeface="Wingdings" panose="05000000000000000000" pitchFamily="2" charset="2"/>
+              <a:buChar char="q"/>
+            </a:pPr>
+            <a:r>
+              <a:rPr lang="en-US" sz="1400" dirty="0">
+                <a:effectLst/>
+                <a:latin typeface="Poppins Light" panose="00000400000000000000" pitchFamily="2" charset="0"/>
+                <a:ea typeface="Times New Roman" panose="02020603050405020304" pitchFamily="18" charset="0"/>
+                <a:cs typeface="Poppins Light" panose="00000400000000000000" pitchFamily="2" charset="0"/>
+              </a:rPr>
+              <a:t>OECD. (2015k). Students, Computers and Learning: Making the Connection. </a:t>
+            </a:r>
+            <a:r>
+              <a:rPr lang="en-US" sz="1400" i="1" dirty="0">
+                <a:effectLst/>
+                <a:latin typeface="Poppins Light" panose="00000400000000000000" pitchFamily="2" charset="0"/>
+                <a:ea typeface="Times New Roman" panose="02020603050405020304" pitchFamily="18" charset="0"/>
+                <a:cs typeface="Poppins Light" panose="00000400000000000000" pitchFamily="2" charset="0"/>
+              </a:rPr>
+              <a:t>PISA</a:t>
+            </a:r>
+            <a:r>
+              <a:rPr lang="en-US" sz="1400" dirty="0">
+                <a:effectLst/>
+                <a:latin typeface="Poppins Light" panose="00000400000000000000" pitchFamily="2" charset="0"/>
+                <a:ea typeface="Times New Roman" panose="02020603050405020304" pitchFamily="18" charset="0"/>
+                <a:cs typeface="Poppins Light" panose="00000400000000000000" pitchFamily="2" charset="0"/>
+              </a:rPr>
+              <a:t>.</a:t>
+            </a:r>
+            <a:endParaRPr lang="it-IT" sz="1400" dirty="0">
+              <a:effectLst/>
+              <a:latin typeface="Poppins Light" panose="00000400000000000000" pitchFamily="2" charset="0"/>
+              <a:ea typeface="Times New Roman" panose="02020603050405020304" pitchFamily="18" charset="0"/>
+              <a:cs typeface="Poppins Light" panose="00000400000000000000" pitchFamily="2" charset="0"/>
+            </a:endParaRPr>
+          </a:p>
+          <a:p>
+            <a:pPr marL="457200" indent="-457200">
+              <a:spcAft>
+                <a:spcPts val="800"/>
+              </a:spcAft>
+              <a:buFont typeface="Wingdings" panose="05000000000000000000" pitchFamily="2" charset="2"/>
+              <a:buChar char="q"/>
+            </a:pPr>
+            <a:r>
+              <a:rPr lang="en-US" sz="1400" dirty="0">
+                <a:effectLst/>
+                <a:latin typeface="Poppins Light" panose="00000400000000000000" pitchFamily="2" charset="0"/>
+                <a:ea typeface="Times New Roman" panose="02020603050405020304" pitchFamily="18" charset="0"/>
+                <a:cs typeface="Poppins Light" panose="00000400000000000000" pitchFamily="2" charset="0"/>
+              </a:rPr>
+              <a:t>OECD. (2016). Skills for a Digital World: 2016 Ministerial Meeting on the Digital Economy Background Report. </a:t>
+            </a:r>
+            <a:r>
+              <a:rPr lang="en-US" sz="1400" i="1" dirty="0">
+                <a:effectLst/>
+                <a:latin typeface="Poppins Light" panose="00000400000000000000" pitchFamily="2" charset="0"/>
+                <a:ea typeface="Times New Roman" panose="02020603050405020304" pitchFamily="18" charset="0"/>
+                <a:cs typeface="Poppins Light" panose="00000400000000000000" pitchFamily="2" charset="0"/>
+              </a:rPr>
+              <a:t>ECD Digital Economy Papers, No. 250</a:t>
+            </a:r>
+          </a:p>
+          <a:p>
+            <a:pPr marL="457200" indent="-457200">
+              <a:lnSpc>
+                <a:spcPct val="150000"/>
+              </a:lnSpc>
+              <a:spcAft>
+                <a:spcPts val="800"/>
+              </a:spcAft>
+              <a:buFont typeface="Wingdings" panose="05000000000000000000" pitchFamily="2" charset="2"/>
+              <a:buChar char="q"/>
+            </a:pPr>
+            <a:r>
+              <a:rPr lang="en-US" sz="1400" dirty="0">
+                <a:effectLst/>
+                <a:latin typeface="Poppins Light" panose="00000400000000000000" pitchFamily="2" charset="0"/>
+                <a:ea typeface="Times New Roman" panose="02020603050405020304" pitchFamily="18" charset="0"/>
+                <a:cs typeface="Poppins Light" panose="00000400000000000000" pitchFamily="2" charset="0"/>
+              </a:rPr>
+              <a:t>Prensky, M. (2001, October). Digital Natives, Digital Immigrants. </a:t>
+            </a:r>
+            <a:r>
+              <a:rPr lang="en-US" sz="1400" i="1" dirty="0">
+                <a:effectLst/>
+                <a:latin typeface="Poppins Light" panose="00000400000000000000" pitchFamily="2" charset="0"/>
+                <a:ea typeface="Times New Roman" panose="02020603050405020304" pitchFamily="18" charset="0"/>
+                <a:cs typeface="Poppins Light" panose="00000400000000000000" pitchFamily="2" charset="0"/>
+              </a:rPr>
+              <a:t>On the Horizon Vol. 9 No. 5</a:t>
+            </a:r>
+            <a:r>
+              <a:rPr lang="en-US" sz="1400" dirty="0">
+                <a:effectLst/>
+                <a:latin typeface="Poppins Light" panose="00000400000000000000" pitchFamily="2" charset="0"/>
+                <a:ea typeface="Times New Roman" panose="02020603050405020304" pitchFamily="18" charset="0"/>
+                <a:cs typeface="Poppins Light" panose="00000400000000000000" pitchFamily="2" charset="0"/>
+              </a:rPr>
+              <a:t>.</a:t>
+            </a:r>
+            <a:endParaRPr lang="it-IT" sz="1400" dirty="0">
+              <a:effectLst/>
+              <a:latin typeface="Poppins Light" panose="00000400000000000000" pitchFamily="2" charset="0"/>
+              <a:ea typeface="Times New Roman" panose="02020603050405020304" pitchFamily="18" charset="0"/>
+              <a:cs typeface="Poppins Light" panose="00000400000000000000" pitchFamily="2" charset="0"/>
+            </a:endParaRPr>
+          </a:p>
+          <a:p>
+            <a:pPr marL="457200" indent="-457200">
+              <a:spcAft>
+                <a:spcPts val="800"/>
+              </a:spcAft>
+              <a:buFont typeface="Wingdings" panose="05000000000000000000" pitchFamily="2" charset="2"/>
+              <a:buChar char="q"/>
+            </a:pPr>
+            <a:r>
+              <a:rPr lang="en-US" sz="1400" dirty="0" err="1">
+                <a:effectLst/>
+                <a:latin typeface="Poppins Light" panose="00000400000000000000" pitchFamily="2" charset="0"/>
+                <a:ea typeface="Times New Roman" panose="02020603050405020304" pitchFamily="18" charset="0"/>
+                <a:cs typeface="Poppins Light" panose="00000400000000000000" pitchFamily="2" charset="0"/>
+              </a:rPr>
+              <a:t>Stolterman</a:t>
+            </a:r>
+            <a:r>
+              <a:rPr lang="en-US" sz="1400" dirty="0">
+                <a:effectLst/>
+                <a:latin typeface="Poppins Light" panose="00000400000000000000" pitchFamily="2" charset="0"/>
+                <a:ea typeface="Times New Roman" panose="02020603050405020304" pitchFamily="18" charset="0"/>
+                <a:cs typeface="Poppins Light" panose="00000400000000000000" pitchFamily="2" charset="0"/>
+              </a:rPr>
+              <a:t>, E., &amp; Croon </a:t>
+            </a:r>
+            <a:r>
+              <a:rPr lang="en-US" sz="1400" dirty="0" err="1">
+                <a:effectLst/>
+                <a:latin typeface="Poppins Light" panose="00000400000000000000" pitchFamily="2" charset="0"/>
+                <a:ea typeface="Times New Roman" panose="02020603050405020304" pitchFamily="18" charset="0"/>
+                <a:cs typeface="Poppins Light" panose="00000400000000000000" pitchFamily="2" charset="0"/>
+              </a:rPr>
+              <a:t>Fors</a:t>
+            </a:r>
+            <a:r>
+              <a:rPr lang="en-US" sz="1400" dirty="0">
+                <a:effectLst/>
+                <a:latin typeface="Poppins Light" panose="00000400000000000000" pitchFamily="2" charset="0"/>
+                <a:ea typeface="Times New Roman" panose="02020603050405020304" pitchFamily="18" charset="0"/>
+                <a:cs typeface="Poppins Light" panose="00000400000000000000" pitchFamily="2" charset="0"/>
+              </a:rPr>
+              <a:t>, A. (2004). Information Technology and the Good Life. </a:t>
+            </a:r>
+            <a:r>
+              <a:rPr lang="it-IT" sz="1400" i="1" dirty="0">
+                <a:effectLst/>
+                <a:latin typeface="Poppins Light" panose="00000400000000000000" pitchFamily="2" charset="0"/>
+                <a:ea typeface="Times New Roman" panose="02020603050405020304" pitchFamily="18" charset="0"/>
+                <a:cs typeface="Poppins Light" panose="00000400000000000000" pitchFamily="2" charset="0"/>
+              </a:rPr>
+              <a:t>Information Systems </a:t>
+            </a:r>
+            <a:r>
+              <a:rPr lang="it-IT" sz="1400" i="1" dirty="0" err="1">
+                <a:effectLst/>
+                <a:latin typeface="Poppins Light" panose="00000400000000000000" pitchFamily="2" charset="0"/>
+                <a:ea typeface="Times New Roman" panose="02020603050405020304" pitchFamily="18" charset="0"/>
+                <a:cs typeface="Poppins Light" panose="00000400000000000000" pitchFamily="2" charset="0"/>
+              </a:rPr>
+              <a:t>Research</a:t>
+            </a:r>
+            <a:r>
+              <a:rPr lang="it-IT" sz="1400" i="1" dirty="0">
+                <a:effectLst/>
+                <a:latin typeface="Poppins Light" panose="00000400000000000000" pitchFamily="2" charset="0"/>
+                <a:ea typeface="Times New Roman" panose="02020603050405020304" pitchFamily="18" charset="0"/>
+                <a:cs typeface="Poppins Light" panose="00000400000000000000" pitchFamily="2" charset="0"/>
+              </a:rPr>
+              <a:t>: </a:t>
+            </a:r>
+            <a:r>
+              <a:rPr lang="it-IT" sz="1400" i="1" dirty="0" err="1">
+                <a:effectLst/>
+                <a:latin typeface="Poppins Light" panose="00000400000000000000" pitchFamily="2" charset="0"/>
+                <a:ea typeface="Times New Roman" panose="02020603050405020304" pitchFamily="18" charset="0"/>
+                <a:cs typeface="Poppins Light" panose="00000400000000000000" pitchFamily="2" charset="0"/>
+              </a:rPr>
+              <a:t>Relevant</a:t>
+            </a:r>
+            <a:r>
+              <a:rPr lang="it-IT" sz="1400" i="1" dirty="0">
+                <a:effectLst/>
+                <a:latin typeface="Poppins Light" panose="00000400000000000000" pitchFamily="2" charset="0"/>
+                <a:ea typeface="Times New Roman" panose="02020603050405020304" pitchFamily="18" charset="0"/>
+                <a:cs typeface="Poppins Light" panose="00000400000000000000" pitchFamily="2" charset="0"/>
+              </a:rPr>
+              <a:t> Theory and </a:t>
+            </a:r>
+            <a:r>
+              <a:rPr lang="it-IT" sz="1400" i="1" dirty="0" err="1">
+                <a:effectLst/>
+                <a:latin typeface="Poppins Light" panose="00000400000000000000" pitchFamily="2" charset="0"/>
+                <a:ea typeface="Times New Roman" panose="02020603050405020304" pitchFamily="18" charset="0"/>
+                <a:cs typeface="Poppins Light" panose="00000400000000000000" pitchFamily="2" charset="0"/>
+              </a:rPr>
+              <a:t>Informed</a:t>
+            </a:r>
+            <a:r>
+              <a:rPr lang="it-IT" sz="1400" i="1" dirty="0">
+                <a:effectLst/>
+                <a:latin typeface="Poppins Light" panose="00000400000000000000" pitchFamily="2" charset="0"/>
+                <a:ea typeface="Times New Roman" panose="02020603050405020304" pitchFamily="18" charset="0"/>
+                <a:cs typeface="Poppins Light" panose="00000400000000000000" pitchFamily="2" charset="0"/>
+              </a:rPr>
+              <a:t> </a:t>
+            </a:r>
+            <a:r>
+              <a:rPr lang="it-IT" sz="1400" i="1" dirty="0" err="1">
+                <a:effectLst/>
+                <a:latin typeface="Poppins Light" panose="00000400000000000000" pitchFamily="2" charset="0"/>
+                <a:ea typeface="Times New Roman" panose="02020603050405020304" pitchFamily="18" charset="0"/>
+                <a:cs typeface="Poppins Light" panose="00000400000000000000" pitchFamily="2" charset="0"/>
+              </a:rPr>
+              <a:t>Practice</a:t>
+            </a:r>
+            <a:r>
+              <a:rPr lang="it-IT" sz="1400" dirty="0">
+                <a:effectLst/>
+                <a:latin typeface="Poppins Light" panose="00000400000000000000" pitchFamily="2" charset="0"/>
+                <a:ea typeface="Times New Roman" panose="02020603050405020304" pitchFamily="18" charset="0"/>
+                <a:cs typeface="Poppins Light" panose="00000400000000000000" pitchFamily="2" charset="0"/>
+              </a:rPr>
+              <a:t>, 689.</a:t>
+            </a:r>
+            <a:endParaRPr lang="en-US" sz="1400" i="1" dirty="0">
+              <a:effectLst/>
+              <a:latin typeface="Poppins Light" panose="00000400000000000000" pitchFamily="2" charset="0"/>
+              <a:ea typeface="Times New Roman" panose="02020603050405020304" pitchFamily="18" charset="0"/>
+              <a:cs typeface="Poppins Light" panose="00000400000000000000" pitchFamily="2" charset="0"/>
+            </a:endParaRPr>
+          </a:p>
+          <a:p>
+            <a:pPr marL="457200" indent="-457200">
+              <a:lnSpc>
+                <a:spcPct val="107000"/>
+              </a:lnSpc>
+              <a:spcAft>
+                <a:spcPts val="800"/>
+              </a:spcAft>
+              <a:buFont typeface="Wingdings" panose="05000000000000000000" pitchFamily="2" charset="2"/>
+              <a:buChar char="q"/>
+            </a:pPr>
+            <a:endParaRPr lang="it-IT" sz="1400" dirty="0">
+              <a:latin typeface="Poppins Light" panose="00000400000000000000" pitchFamily="50" charset="0"/>
+              <a:cs typeface="Poppins Light" panose="00000400000000000000" pitchFamily="50" charset="0"/>
+            </a:endParaRPr>
+          </a:p>
+        </p:txBody>
+      </p:sp>
+      <p:cxnSp>
+        <p:nvCxnSpPr>
+          <p:cNvPr id="4" name="Connettore diritto 3">
+            <a:extLst>
+              <a:ext uri="{FF2B5EF4-FFF2-40B4-BE49-F238E27FC236}">
+                <a16:creationId xmlns:a16="http://schemas.microsoft.com/office/drawing/2014/main" id="{51FD34F7-E331-45F9-984B-6D3860116CA5}"/>
+              </a:ext>
+            </a:extLst>
+          </p:cNvPr>
+          <p:cNvCxnSpPr>
+            <a:cxnSpLocks/>
+          </p:cNvCxnSpPr>
+          <p:nvPr/>
+        </p:nvCxnSpPr>
+        <p:spPr>
+          <a:xfrm>
+            <a:off x="772998" y="1134050"/>
+            <a:ext cx="2106389" cy="0"/>
+          </a:xfrm>
+          <a:prstGeom prst="line">
+            <a:avLst/>
+          </a:prstGeom>
+          <a:ln w="38100">
+            <a:solidFill>
+              <a:schemeClr val="accent2"/>
+            </a:solidFill>
+          </a:ln>
+        </p:spPr>
+        <p:style>
+          <a:lnRef idx="3">
+            <a:schemeClr val="accent2"/>
+          </a:lnRef>
+          <a:fillRef idx="0">
+            <a:schemeClr val="accent2"/>
+          </a:fillRef>
+          <a:effectRef idx="2">
+            <a:schemeClr val="accent2"/>
+          </a:effectRef>
+          <a:fontRef idx="minor">
+            <a:schemeClr val="tx1"/>
+          </a:fontRef>
+        </p:style>
+      </p:cxnSp>
+    </p:spTree>
+    <p:extLst>
+      <p:ext uri="{BB962C8B-B14F-4D97-AF65-F5344CB8AC3E}">
+        <p14:creationId xmlns:p14="http://schemas.microsoft.com/office/powerpoint/2010/main" val="2854464611"/>
       </p:ext>
     </p:extLst>
   </p:cSld>
